--- a/doc/部署架构图.pptx
+++ b/doc/部署架构图.pptx
@@ -259,7 +259,7 @@
           <a:p>
             <a:fld id="{F42BF252-7CA9-4F85-A40D-E659F480DBD4}" type="datetimeFigureOut">
               <a:rPr lang="zh-CN" altLang="en-US" smtClean="0"/>
-              <a:t>2023/4/4</a:t>
+              <a:t>2023/4/19</a:t>
             </a:fld>
             <a:endParaRPr lang="zh-CN" altLang="en-US"/>
           </a:p>
@@ -457,7 +457,7 @@
           <a:p>
             <a:fld id="{F42BF252-7CA9-4F85-A40D-E659F480DBD4}" type="datetimeFigureOut">
               <a:rPr lang="zh-CN" altLang="en-US" smtClean="0"/>
-              <a:t>2023/4/4</a:t>
+              <a:t>2023/4/19</a:t>
             </a:fld>
             <a:endParaRPr lang="zh-CN" altLang="en-US"/>
           </a:p>
@@ -665,7 +665,7 @@
           <a:p>
             <a:fld id="{F42BF252-7CA9-4F85-A40D-E659F480DBD4}" type="datetimeFigureOut">
               <a:rPr lang="zh-CN" altLang="en-US" smtClean="0"/>
-              <a:t>2023/4/4</a:t>
+              <a:t>2023/4/19</a:t>
             </a:fld>
             <a:endParaRPr lang="zh-CN" altLang="en-US"/>
           </a:p>
@@ -863,7 +863,7 @@
           <a:p>
             <a:fld id="{F42BF252-7CA9-4F85-A40D-E659F480DBD4}" type="datetimeFigureOut">
               <a:rPr lang="zh-CN" altLang="en-US" smtClean="0"/>
-              <a:t>2023/4/4</a:t>
+              <a:t>2023/4/19</a:t>
             </a:fld>
             <a:endParaRPr lang="zh-CN" altLang="en-US"/>
           </a:p>
@@ -1138,7 +1138,7 @@
           <a:p>
             <a:fld id="{F42BF252-7CA9-4F85-A40D-E659F480DBD4}" type="datetimeFigureOut">
               <a:rPr lang="zh-CN" altLang="en-US" smtClean="0"/>
-              <a:t>2023/4/4</a:t>
+              <a:t>2023/4/19</a:t>
             </a:fld>
             <a:endParaRPr lang="zh-CN" altLang="en-US"/>
           </a:p>
@@ -1403,7 +1403,7 @@
           <a:p>
             <a:fld id="{F42BF252-7CA9-4F85-A40D-E659F480DBD4}" type="datetimeFigureOut">
               <a:rPr lang="zh-CN" altLang="en-US" smtClean="0"/>
-              <a:t>2023/4/4</a:t>
+              <a:t>2023/4/19</a:t>
             </a:fld>
             <a:endParaRPr lang="zh-CN" altLang="en-US"/>
           </a:p>
@@ -1815,7 +1815,7 @@
           <a:p>
             <a:fld id="{F42BF252-7CA9-4F85-A40D-E659F480DBD4}" type="datetimeFigureOut">
               <a:rPr lang="zh-CN" altLang="en-US" smtClean="0"/>
-              <a:t>2023/4/4</a:t>
+              <a:t>2023/4/19</a:t>
             </a:fld>
             <a:endParaRPr lang="zh-CN" altLang="en-US"/>
           </a:p>
@@ -1956,7 +1956,7 @@
           <a:p>
             <a:fld id="{F42BF252-7CA9-4F85-A40D-E659F480DBD4}" type="datetimeFigureOut">
               <a:rPr lang="zh-CN" altLang="en-US" smtClean="0"/>
-              <a:t>2023/4/4</a:t>
+              <a:t>2023/4/19</a:t>
             </a:fld>
             <a:endParaRPr lang="zh-CN" altLang="en-US"/>
           </a:p>
@@ -2069,7 +2069,7 @@
           <a:p>
             <a:fld id="{F42BF252-7CA9-4F85-A40D-E659F480DBD4}" type="datetimeFigureOut">
               <a:rPr lang="zh-CN" altLang="en-US" smtClean="0"/>
-              <a:t>2023/4/4</a:t>
+              <a:t>2023/4/19</a:t>
             </a:fld>
             <a:endParaRPr lang="zh-CN" altLang="en-US"/>
           </a:p>
@@ -2380,7 +2380,7 @@
           <a:p>
             <a:fld id="{F42BF252-7CA9-4F85-A40D-E659F480DBD4}" type="datetimeFigureOut">
               <a:rPr lang="zh-CN" altLang="en-US" smtClean="0"/>
-              <a:t>2023/4/4</a:t>
+              <a:t>2023/4/19</a:t>
             </a:fld>
             <a:endParaRPr lang="zh-CN" altLang="en-US"/>
           </a:p>
@@ -2668,7 +2668,7 @@
           <a:p>
             <a:fld id="{F42BF252-7CA9-4F85-A40D-E659F480DBD4}" type="datetimeFigureOut">
               <a:rPr lang="zh-CN" altLang="en-US" smtClean="0"/>
-              <a:t>2023/4/4</a:t>
+              <a:t>2023/4/19</a:t>
             </a:fld>
             <a:endParaRPr lang="zh-CN" altLang="en-US"/>
           </a:p>
@@ -2909,7 +2909,7 @@
           <a:p>
             <a:fld id="{F42BF252-7CA9-4F85-A40D-E659F480DBD4}" type="datetimeFigureOut">
               <a:rPr lang="zh-CN" altLang="en-US" smtClean="0"/>
-              <a:t>2023/4/4</a:t>
+              <a:t>2023/4/19</a:t>
             </a:fld>
             <a:endParaRPr lang="zh-CN" altLang="en-US"/>
           </a:p>
@@ -3484,7 +3484,27 @@
                 <a:effectLst/>
                 <a:latin typeface="Consolas" panose="020B0609020204030204" pitchFamily="49" charset="0"/>
               </a:rPr>
-              <a:t>/cert/</a:t>
+              <a:t>/</a:t>
+            </a:r>
+            <a:r>
+              <a:rPr lang="en-US" altLang="zh-CN" sz="900" b="0" dirty="0" err="1">
+                <a:solidFill>
+                  <a:srgbClr val="448C27"/>
+                </a:solidFill>
+                <a:effectLst/>
+                <a:latin typeface="Consolas" panose="020B0609020204030204" pitchFamily="49" charset="0"/>
+              </a:rPr>
+              <a:t>fe</a:t>
+            </a:r>
+            <a:r>
+              <a:rPr lang="en-US" altLang="zh-CN" sz="900" b="0" dirty="0">
+                <a:solidFill>
+                  <a:srgbClr val="448C27"/>
+                </a:solidFill>
+                <a:effectLst/>
+                <a:latin typeface="Consolas" panose="020B0609020204030204" pitchFamily="49" charset="0"/>
+              </a:rPr>
+              <a:t>/</a:t>
             </a:r>
             <a:r>
               <a:rPr lang="en-US" altLang="zh-CN" sz="900" b="0" dirty="0">
@@ -4139,7 +4159,27 @@
                 <a:effectLst/>
                 <a:latin typeface="Consolas" panose="020B0609020204030204" pitchFamily="49" charset="0"/>
               </a:rPr>
-              <a:t>/cert/</a:t>
+              <a:t>/</a:t>
+            </a:r>
+            <a:r>
+              <a:rPr lang="en-US" altLang="zh-CN" sz="900" b="0" dirty="0" err="1">
+                <a:solidFill>
+                  <a:srgbClr val="448C27"/>
+                </a:solidFill>
+                <a:effectLst/>
+                <a:latin typeface="Consolas" panose="020B0609020204030204" pitchFamily="49" charset="0"/>
+              </a:rPr>
+              <a:t>fe</a:t>
+            </a:r>
+            <a:r>
+              <a:rPr lang="en-US" altLang="zh-CN" sz="900" b="0" dirty="0">
+                <a:solidFill>
+                  <a:srgbClr val="448C27"/>
+                </a:solidFill>
+                <a:effectLst/>
+                <a:latin typeface="Consolas" panose="020B0609020204030204" pitchFamily="49" charset="0"/>
+              </a:rPr>
+              <a:t>/</a:t>
             </a:r>
           </a:p>
           <a:p>
@@ -6698,6 +6738,101 @@
               </a:solidFill>
               <a:latin typeface="Consolas" panose="020B0609020204030204" pitchFamily="49" charset="0"/>
               <a:ea typeface="微软雅黑" panose="020B0503020204020204" pitchFamily="34" charset="-122"/>
+            </a:endParaRPr>
+          </a:p>
+        </p:txBody>
+      </p:sp>
+      <p:sp>
+        <p:nvSpPr>
+          <p:cNvPr id="2" name="文本框 1">
+            <a:extLst>
+              <a:ext uri="{FF2B5EF4-FFF2-40B4-BE49-F238E27FC236}">
+                <a16:creationId xmlns:a16="http://schemas.microsoft.com/office/drawing/2014/main" id="{48AE4771-C7F1-48C3-BB76-033B10693C12}"/>
+              </a:ext>
+            </a:extLst>
+          </p:cNvPr>
+          <p:cNvSpPr txBox="1"/>
+          <p:nvPr/>
+        </p:nvSpPr>
+        <p:spPr>
+          <a:xfrm>
+            <a:off x="6639339" y="656316"/>
+            <a:ext cx="2904711" cy="307777"/>
+          </a:xfrm>
+          <a:prstGeom prst="rect">
+            <a:avLst/>
+          </a:prstGeom>
+          <a:noFill/>
+          <a:ln>
+            <a:solidFill>
+              <a:schemeClr val="tx1"/>
+            </a:solidFill>
+            <a:prstDash val="solid"/>
+          </a:ln>
+        </p:spPr>
+        <p:txBody>
+          <a:bodyPr wrap="square" rtlCol="0">
+            <a:spAutoFit/>
+          </a:bodyPr>
+          <a:lstStyle/>
+          <a:p>
+            <a:pPr algn="r"/>
+            <a:r>
+              <a:rPr lang="en-US" altLang="zh-CN" sz="1400" dirty="0">
+                <a:solidFill>
+                  <a:schemeClr val="tx1">
+                    <a:lumMod val="75000"/>
+                    <a:lumOff val="25000"/>
+                  </a:schemeClr>
+                </a:solidFill>
+                <a:latin typeface="Consolas" panose="020B0609020204030204" pitchFamily="49" charset="0"/>
+              </a:rPr>
+              <a:t>/user/local/</a:t>
+            </a:r>
+            <a:r>
+              <a:rPr lang="en-US" altLang="zh-CN" sz="1400" dirty="0" err="1">
+                <a:solidFill>
+                  <a:schemeClr val="tx1">
+                    <a:lumMod val="75000"/>
+                    <a:lumOff val="25000"/>
+                  </a:schemeClr>
+                </a:solidFill>
+                <a:latin typeface="Consolas" panose="020B0609020204030204" pitchFamily="49" charset="0"/>
+              </a:rPr>
+              <a:t>sbin</a:t>
+            </a:r>
+            <a:r>
+              <a:rPr lang="en-US" altLang="zh-CN" sz="1400" dirty="0">
+                <a:solidFill>
+                  <a:schemeClr val="tx1">
+                    <a:lumMod val="75000"/>
+                    <a:lumOff val="25000"/>
+                  </a:schemeClr>
+                </a:solidFill>
+                <a:latin typeface="Consolas" panose="020B0609020204030204" pitchFamily="49" charset="0"/>
+              </a:rPr>
+              <a:t>/</a:t>
+            </a:r>
+            <a:r>
+              <a:rPr lang="en-US" altLang="zh-CN" sz="1400" dirty="0" err="1">
+                <a:solidFill>
+                  <a:schemeClr val="tx1">
+                    <a:lumMod val="75000"/>
+                    <a:lumOff val="25000"/>
+                  </a:schemeClr>
+                </a:solidFill>
+                <a:latin typeface="Consolas" panose="020B0609020204030204" pitchFamily="49" charset="0"/>
+              </a:rPr>
+              <a:t>nginx.conf</a:t>
+            </a:r>
+            <a:endParaRPr lang="zh-CN" altLang="en-US" sz="1400" dirty="0">
+              <a:solidFill>
+                <a:schemeClr val="tx1">
+                  <a:lumMod val="75000"/>
+                  <a:lumOff val="25000"/>
+                </a:schemeClr>
+              </a:solidFill>
+              <a:latin typeface="Consolas" panose="020B0609020204030204" pitchFamily="49" charset="0"/>
             </a:endParaRPr>
           </a:p>
         </p:txBody>
